--- a/Team Wrecktrek.pptx
+++ b/Team Wrecktrek.pptx
@@ -7106,7 +7106,7 @@
                 <a:cs typeface="Comfortaa"/>
                 <a:sym typeface="Comfortaa"/>
               </a:rPr>
-              <a:t>		   Naman Goyal</a:t>
+              <a:t>		   Naman Goel</a:t>
             </a:r>
             <a:endParaRPr>
               <a:solidFill>
@@ -7821,7 +7821,7 @@
         </p:nvSpPr>
         <p:spPr>
           <a:xfrm>
-            <a:off x="49525" y="1326650"/>
+            <a:off x="49525" y="955825"/>
             <a:ext cx="8520600" cy="4272900"/>
           </a:xfrm>
           <a:prstGeom prst="rect">
@@ -7900,25 +7900,17 @@
             </a:endParaRPr>
           </a:p>
           <a:p>
-            <a:pPr indent="-342900" lvl="0" marL="457200" rtl="0" algn="l">
-              <a:spcBef>
-                <a:spcPts val="0"/>
-              </a:spcBef>
-              <a:spcAft>
-                <a:spcPts val="0"/>
-              </a:spcAft>
-              <a:buSzPts val="1800"/>
-              <a:buFont typeface="Comfortaa"/>
-              <a:buChar char="●"/>
+            <a:pPr indent="0" lvl="0" marL="0" rtl="0" algn="l">
+              <a:spcBef>
+                <a:spcPts val="1600"/>
+              </a:spcBef>
+              <a:spcAft>
+                <a:spcPts val="0"/>
+              </a:spcAft>
+              <a:buNone/>
             </a:pPr>
             <a:r>
-              <a:rPr lang="en">
-                <a:latin typeface="Comfortaa"/>
-                <a:ea typeface="Comfortaa"/>
-                <a:cs typeface="Comfortaa"/>
-                <a:sym typeface="Comfortaa"/>
-              </a:rPr>
-              <a:t>The data is then saved and fed to the Machine Learning algorithm in the backend.</a:t>
+              <a:t/>
             </a:r>
             <a:endParaRPr>
               <a:latin typeface="Comfortaa"/>
@@ -7930,7 +7922,7 @@
           <a:p>
             <a:pPr indent="-342900" lvl="0" marL="457200" rtl="0" algn="l">
               <a:spcBef>
-                <a:spcPts val="0"/>
+                <a:spcPts val="1600"/>
               </a:spcBef>
               <a:spcAft>
                 <a:spcPts val="0"/>
@@ -7946,7 +7938,27 @@
                 <a:cs typeface="Comfortaa"/>
                 <a:sym typeface="Comfortaa"/>
               </a:rPr>
-              <a:t>The process is then executed and the output is fed back to the user.</a:t>
+              <a:t>The data is then saved and fed to the Machine Learning algorithm in the backend.</a:t>
+            </a:r>
+            <a:endParaRPr>
+              <a:latin typeface="Comfortaa"/>
+              <a:ea typeface="Comfortaa"/>
+              <a:cs typeface="Comfortaa"/>
+              <a:sym typeface="Comfortaa"/>
+            </a:endParaRPr>
+          </a:p>
+          <a:p>
+            <a:pPr indent="0" lvl="0" marL="457200" rtl="0" algn="l">
+              <a:spcBef>
+                <a:spcPts val="1600"/>
+              </a:spcBef>
+              <a:spcAft>
+                <a:spcPts val="0"/>
+              </a:spcAft>
+              <a:buNone/>
+            </a:pPr>
+            <a:r>
+              <a:t/>
             </a:r>
             <a:endParaRPr>
               <a:latin typeface="Comfortaa"/>
@@ -7958,7 +7970,7 @@
           <a:p>
             <a:pPr indent="-342900" lvl="0" marL="457200" rtl="0" algn="l">
               <a:spcBef>
-                <a:spcPts val="0"/>
+                <a:spcPts val="1600"/>
               </a:spcBef>
               <a:spcAft>
                 <a:spcPts val="0"/>
@@ -8866,7 +8878,7 @@
                 <a:cs typeface="Comfortaa"/>
                 <a:sym typeface="Comfortaa"/>
               </a:rPr>
-              <a:t>provided</a:t>
+              <a:t>provided.</a:t>
             </a:r>
             <a:r>
               <a:rPr lang="en" sz="2000">
@@ -9164,7 +9176,7 @@
         <p:spPr>
           <a:xfrm>
             <a:off x="236725" y="717875"/>
-            <a:ext cx="4094299" cy="2114824"/>
+            <a:ext cx="4094299" cy="2762950"/>
           </a:xfrm>
           <a:prstGeom prst="rect">
             <a:avLst/>
@@ -9191,7 +9203,7 @@
         <p:spPr>
           <a:xfrm>
             <a:off x="4848250" y="717875"/>
-            <a:ext cx="3814347" cy="2114824"/>
+            <a:ext cx="3814350" cy="2762950"/>
           </a:xfrm>
           <a:prstGeom prst="rect">
             <a:avLst/>
